--- a/Semana 8/clase8.pptx
+++ b/Semana 8/clase8.pptx
@@ -15406,7 +15406,15 @@
             </a:pPr>
             <a:r>
               <a:rPr lang="en-US" altLang="es-CR" dirty="0"/>
-              <a:t>WHERE ID_MARCA = 1 AND ANIO &gt;= 1990;</a:t>
+              <a:t>WHERE ID_MARCA = 1 </a:t>
+            </a:r>
+            <a:r>
+              <a:rPr lang="en-US" altLang="es-CR"/>
+              <a:t>AND ANO </a:t>
+            </a:r>
+            <a:r>
+              <a:rPr lang="en-US" altLang="es-CR" dirty="0"/>
+              <a:t>&gt;= 1990;</a:t>
             </a:r>
           </a:p>
           <a:p>
@@ -16430,7 +16438,7 @@
           <a:graphicData uri="http://schemas.openxmlformats.org/presentationml/2006/ole">
             <mc:AlternateContent xmlns:mc="http://schemas.openxmlformats.org/markup-compatibility/2006">
               <mc:Choice xmlns:v="urn:schemas-microsoft-com:vml" Requires="v">
-                <p:oleObj spid="_x0000_s1028" name="Imagen de mapa de bits" r:id="rId3" imgW="4371429" imgH="2610214" progId="PBrush">
+                <p:oleObj spid="_x0000_s1029" name="Imagen de mapa de bits" r:id="rId3" imgW="4371429" imgH="2610214" progId="PBrush">
                   <p:embed/>
                 </p:oleObj>
               </mc:Choice>
